--- a/SLIDE_TOP_NGHIEP_2023.pptx
+++ b/SLIDE_TOP_NGHIEP_2023.pptx
@@ -14,20 +14,21 @@
     <p:sldId id="259" r:id="rId7"/>
     <p:sldId id="260" r:id="rId8"/>
     <p:sldId id="261" r:id="rId9"/>
-    <p:sldId id="262" r:id="rId10"/>
-    <p:sldId id="263" r:id="rId11"/>
-    <p:sldId id="264" r:id="rId12"/>
-    <p:sldId id="265" r:id="rId13"/>
+    <p:sldId id="266" r:id="rId10"/>
+    <p:sldId id="262" r:id="rId11"/>
+    <p:sldId id="263" r:id="rId12"/>
+    <p:sldId id="264" r:id="rId13"/>
+    <p:sldId id="265" r:id="rId14"/>
   </p:sldIdLst>
   <p:sldSz cx="12192000" cy="6858000"/>
   <p:notesSz cx="6858000" cy="9144000"/>
   <p:embeddedFontLst>
     <p:embeddedFont>
       <p:font typeface="Calibri" panose="020F0502020204030204"/>
-      <p:regular r:id="rId17"/>
-      <p:bold r:id="rId18"/>
-      <p:italic r:id="rId19"/>
-      <p:boldItalic r:id="rId20"/>
+      <p:regular r:id="rId18"/>
+      <p:bold r:id="rId19"/>
+      <p:italic r:id="rId20"/>
+      <p:boldItalic r:id="rId21"/>
     </p:embeddedFont>
   </p:embeddedFontLst>
   <p:defaultTextStyle>
@@ -1538,6 +1539,105 @@
   <p:cSld>
     <p:spTree>
       <p:nvGrpSpPr>
+        <p:cNvPr id="235" name="Shape 235"/>
+        <p:cNvGrpSpPr/>
+        <p:nvPr/>
+      </p:nvGrpSpPr>
+      <p:grpSpPr>
+        <a:xfrm>
+          <a:off x="0" y="0"/>
+          <a:ext cx="0" cy="0"/>
+          <a:chOff x="0" y="0"/>
+          <a:chExt cx="0" cy="0"/>
+        </a:xfrm>
+      </p:grpSpPr>
+      <p:sp>
+        <p:nvSpPr>
+          <p:cNvPr id="236" name="Google Shape;236;p9:notes"/>
+          <p:cNvSpPr txBox="1"/>
+          <p:nvPr>
+            <p:ph type="body" idx="1"/>
+          </p:nvPr>
+        </p:nvSpPr>
+        <p:spPr>
+          <a:xfrm>
+            <a:off x="685800" y="4400550"/>
+            <a:ext cx="5486400" cy="3600450"/>
+          </a:xfrm>
+          <a:prstGeom prst="rect">
+            <a:avLst/>
+          </a:prstGeom>
+        </p:spPr>
+        <p:txBody>
+          <a:bodyPr spcFirstLastPara="1" wrap="square" lIns="91425" tIns="45700" rIns="91425" bIns="45700" anchor="t" anchorCtr="0">
+            <a:noAutofit/>
+          </a:bodyPr>
+          <a:lstStyle/>
+          <a:p>
+            <a:pPr marL="0" lvl="0" indent="0" algn="l" rtl="0">
+              <a:spcBef>
+                <a:spcPts val="0"/>
+              </a:spcBef>
+              <a:spcAft>
+                <a:spcPts val="0"/>
+              </a:spcAft>
+              <a:buNone/>
+            </a:pPr>
+          </a:p>
+        </p:txBody>
+      </p:sp>
+      <p:sp>
+        <p:nvSpPr>
+          <p:cNvPr id="237" name="Google Shape;237;p9:notes"/>
+          <p:cNvSpPr/>
+          <p:nvPr>
+            <p:ph type="sldImg" idx="2"/>
+          </p:nvPr>
+        </p:nvSpPr>
+        <p:spPr>
+          <a:xfrm>
+            <a:off x="685800" y="1143000"/>
+            <a:ext cx="5486400" cy="3086100"/>
+          </a:xfrm>
+          <a:custGeom>
+            <a:avLst/>
+            <a:gdLst/>
+            <a:ahLst/>
+            <a:cxnLst/>
+            <a:rect l="l" t="t" r="r" b="b"/>
+            <a:pathLst>
+              <a:path w="120000" h="120000" extrusionOk="0">
+                <a:moveTo>
+                  <a:pt x="0" y="0"/>
+                </a:moveTo>
+                <a:lnTo>
+                  <a:pt x="120000" y="0"/>
+                </a:lnTo>
+                <a:lnTo>
+                  <a:pt x="120000" y="120000"/>
+                </a:lnTo>
+                <a:lnTo>
+                  <a:pt x="0" y="120000"/>
+                </a:lnTo>
+                <a:close/>
+              </a:path>
+            </a:pathLst>
+          </a:custGeom>
+        </p:spPr>
+      </p:sp>
+    </p:spTree>
+  </p:cSld>
+  <p:clrMapOvr>
+    <a:masterClrMapping/>
+  </p:clrMapOvr>
+</p:notes>
+</file>
+
+<file path=ppt/notesSlides/notesSlide11.xml><?xml version="1.0" encoding="utf-8"?>
+<p:notes xmlns:a="http://schemas.openxmlformats.org/drawingml/2006/main" xmlns:r="http://schemas.openxmlformats.org/officeDocument/2006/relationships" xmlns:p="http://schemas.openxmlformats.org/presentationml/2006/main" showMasterPhAnim="0" showMasterSp="0">
+  <p:cSld>
+    <p:spTree>
+      <p:nvGrpSpPr>
         <p:cNvPr id="253" name="Shape 253"/>
         <p:cNvGrpSpPr/>
         <p:nvPr/>
@@ -2189,6 +2289,105 @@
   <p:cSld>
     <p:spTree>
       <p:nvGrpSpPr>
+        <p:cNvPr id="174" name="Shape 174"/>
+        <p:cNvGrpSpPr/>
+        <p:nvPr/>
+      </p:nvGrpSpPr>
+      <p:grpSpPr>
+        <a:xfrm>
+          <a:off x="0" y="0"/>
+          <a:ext cx="0" cy="0"/>
+          <a:chOff x="0" y="0"/>
+          <a:chExt cx="0" cy="0"/>
+        </a:xfrm>
+      </p:grpSpPr>
+      <p:sp>
+        <p:nvSpPr>
+          <p:cNvPr id="175" name="Google Shape;175;p6:notes"/>
+          <p:cNvSpPr txBox="1"/>
+          <p:nvPr>
+            <p:ph type="body" idx="1"/>
+          </p:nvPr>
+        </p:nvSpPr>
+        <p:spPr>
+          <a:xfrm>
+            <a:off x="685800" y="4400550"/>
+            <a:ext cx="5486400" cy="3600450"/>
+          </a:xfrm>
+          <a:prstGeom prst="rect">
+            <a:avLst/>
+          </a:prstGeom>
+        </p:spPr>
+        <p:txBody>
+          <a:bodyPr spcFirstLastPara="1" wrap="square" lIns="91425" tIns="45700" rIns="91425" bIns="45700" anchor="t" anchorCtr="0">
+            <a:noAutofit/>
+          </a:bodyPr>
+          <a:lstStyle/>
+          <a:p>
+            <a:pPr marL="0" lvl="0" indent="0" algn="l" rtl="0">
+              <a:spcBef>
+                <a:spcPts val="0"/>
+              </a:spcBef>
+              <a:spcAft>
+                <a:spcPts val="0"/>
+              </a:spcAft>
+              <a:buNone/>
+            </a:pPr>
+          </a:p>
+        </p:txBody>
+      </p:sp>
+      <p:sp>
+        <p:nvSpPr>
+          <p:cNvPr id="176" name="Google Shape;176;p6:notes"/>
+          <p:cNvSpPr/>
+          <p:nvPr>
+            <p:ph type="sldImg" idx="2"/>
+          </p:nvPr>
+        </p:nvSpPr>
+        <p:spPr>
+          <a:xfrm>
+            <a:off x="685800" y="1143000"/>
+            <a:ext cx="5486400" cy="3086100"/>
+          </a:xfrm>
+          <a:custGeom>
+            <a:avLst/>
+            <a:gdLst/>
+            <a:ahLst/>
+            <a:cxnLst/>
+            <a:rect l="l" t="t" r="r" b="b"/>
+            <a:pathLst>
+              <a:path w="120000" h="120000" extrusionOk="0">
+                <a:moveTo>
+                  <a:pt x="0" y="0"/>
+                </a:moveTo>
+                <a:lnTo>
+                  <a:pt x="120000" y="0"/>
+                </a:lnTo>
+                <a:lnTo>
+                  <a:pt x="120000" y="120000"/>
+                </a:lnTo>
+                <a:lnTo>
+                  <a:pt x="0" y="120000"/>
+                </a:lnTo>
+                <a:close/>
+              </a:path>
+            </a:pathLst>
+          </a:custGeom>
+        </p:spPr>
+      </p:sp>
+    </p:spTree>
+  </p:cSld>
+  <p:clrMapOvr>
+    <a:masterClrMapping/>
+  </p:clrMapOvr>
+</p:notes>
+</file>
+
+<file path=ppt/notesSlides/notesSlide8.xml><?xml version="1.0" encoding="utf-8"?>
+<p:notes xmlns:a="http://schemas.openxmlformats.org/drawingml/2006/main" xmlns:r="http://schemas.openxmlformats.org/officeDocument/2006/relationships" xmlns:p="http://schemas.openxmlformats.org/presentationml/2006/main" showMasterPhAnim="0" showMasterSp="0">
+  <p:cSld>
+    <p:spTree>
+      <p:nvGrpSpPr>
         <p:cNvPr id="188" name="Shape 188"/>
         <p:cNvGrpSpPr/>
         <p:nvPr/>
@@ -2283,7 +2482,7 @@
 </p:notes>
 </file>
 
-<file path=ppt/notesSlides/notesSlide8.xml><?xml version="1.0" encoding="utf-8"?>
+<file path=ppt/notesSlides/notesSlide9.xml><?xml version="1.0" encoding="utf-8"?>
 <p:notes xmlns:a="http://schemas.openxmlformats.org/drawingml/2006/main" xmlns:r="http://schemas.openxmlformats.org/officeDocument/2006/relationships" xmlns:p="http://schemas.openxmlformats.org/presentationml/2006/main" showMasterPhAnim="0" showMasterSp="0">
   <p:cSld>
     <p:spTree>
@@ -2338,105 +2537,6 @@
       <p:sp>
         <p:nvSpPr>
           <p:cNvPr id="224" name="Google Shape;224;p8:notes"/>
-          <p:cNvSpPr/>
-          <p:nvPr>
-            <p:ph type="sldImg" idx="2"/>
-          </p:nvPr>
-        </p:nvSpPr>
-        <p:spPr>
-          <a:xfrm>
-            <a:off x="685800" y="1143000"/>
-            <a:ext cx="5486400" cy="3086100"/>
-          </a:xfrm>
-          <a:custGeom>
-            <a:avLst/>
-            <a:gdLst/>
-            <a:ahLst/>
-            <a:cxnLst/>
-            <a:rect l="l" t="t" r="r" b="b"/>
-            <a:pathLst>
-              <a:path w="120000" h="120000" extrusionOk="0">
-                <a:moveTo>
-                  <a:pt x="0" y="0"/>
-                </a:moveTo>
-                <a:lnTo>
-                  <a:pt x="120000" y="0"/>
-                </a:lnTo>
-                <a:lnTo>
-                  <a:pt x="120000" y="120000"/>
-                </a:lnTo>
-                <a:lnTo>
-                  <a:pt x="0" y="120000"/>
-                </a:lnTo>
-                <a:close/>
-              </a:path>
-            </a:pathLst>
-          </a:custGeom>
-        </p:spPr>
-      </p:sp>
-    </p:spTree>
-  </p:cSld>
-  <p:clrMapOvr>
-    <a:masterClrMapping/>
-  </p:clrMapOvr>
-</p:notes>
-</file>
-
-<file path=ppt/notesSlides/notesSlide9.xml><?xml version="1.0" encoding="utf-8"?>
-<p:notes xmlns:a="http://schemas.openxmlformats.org/drawingml/2006/main" xmlns:r="http://schemas.openxmlformats.org/officeDocument/2006/relationships" xmlns:p="http://schemas.openxmlformats.org/presentationml/2006/main" showMasterPhAnim="0" showMasterSp="0">
-  <p:cSld>
-    <p:spTree>
-      <p:nvGrpSpPr>
-        <p:cNvPr id="235" name="Shape 235"/>
-        <p:cNvGrpSpPr/>
-        <p:nvPr/>
-      </p:nvGrpSpPr>
-      <p:grpSpPr>
-        <a:xfrm>
-          <a:off x="0" y="0"/>
-          <a:ext cx="0" cy="0"/>
-          <a:chOff x="0" y="0"/>
-          <a:chExt cx="0" cy="0"/>
-        </a:xfrm>
-      </p:grpSpPr>
-      <p:sp>
-        <p:nvSpPr>
-          <p:cNvPr id="236" name="Google Shape;236;p9:notes"/>
-          <p:cNvSpPr txBox="1"/>
-          <p:nvPr>
-            <p:ph type="body" idx="1"/>
-          </p:nvPr>
-        </p:nvSpPr>
-        <p:spPr>
-          <a:xfrm>
-            <a:off x="685800" y="4400550"/>
-            <a:ext cx="5486400" cy="3600450"/>
-          </a:xfrm>
-          <a:prstGeom prst="rect">
-            <a:avLst/>
-          </a:prstGeom>
-        </p:spPr>
-        <p:txBody>
-          <a:bodyPr spcFirstLastPara="1" wrap="square" lIns="91425" tIns="45700" rIns="91425" bIns="45700" anchor="t" anchorCtr="0">
-            <a:noAutofit/>
-          </a:bodyPr>
-          <a:lstStyle/>
-          <a:p>
-            <a:pPr marL="0" lvl="0" indent="0" algn="l" rtl="0">
-              <a:spcBef>
-                <a:spcPts val="0"/>
-              </a:spcBef>
-              <a:spcAft>
-                <a:spcPts val="0"/>
-              </a:spcAft>
-              <a:buNone/>
-            </a:pPr>
-          </a:p>
-        </p:txBody>
-      </p:sp>
-      <p:sp>
-        <p:nvSpPr>
-          <p:cNvPr id="237" name="Google Shape;237;p9:notes"/>
           <p:cNvSpPr/>
           <p:nvPr>
             <p:ph type="sldImg" idx="2"/>
@@ -12915,6 +13015,860 @@
     </p:bg>
     <p:spTree>
       <p:nvGrpSpPr>
+        <p:cNvPr id="238" name="Shape 238"/>
+        <p:cNvGrpSpPr/>
+        <p:nvPr/>
+      </p:nvGrpSpPr>
+      <p:grpSpPr>
+        <a:xfrm>
+          <a:off x="0" y="0"/>
+          <a:ext cx="0" cy="0"/>
+          <a:chOff x="0" y="0"/>
+          <a:chExt cx="0" cy="0"/>
+        </a:xfrm>
+      </p:grpSpPr>
+      <p:pic>
+        <p:nvPicPr>
+          <p:cNvPr id="239" name="Google Shape;239;p9"/>
+          <p:cNvPicPr preferRelativeResize="0"/>
+          <p:nvPr/>
+        </p:nvPicPr>
+        <p:blipFill rotWithShape="1">
+          <a:blip r:embed="rId1"/>
+          <a:srcRect/>
+          <a:stretch>
+            <a:fillRect/>
+          </a:stretch>
+        </p:blipFill>
+        <p:spPr>
+          <a:xfrm>
+            <a:off x="0" y="0"/>
+            <a:ext cx="12192000" cy="6858000"/>
+          </a:xfrm>
+          <a:prstGeom prst="rect">
+            <a:avLst/>
+          </a:prstGeom>
+          <a:noFill/>
+          <a:ln>
+            <a:noFill/>
+          </a:ln>
+        </p:spPr>
+      </p:pic>
+      <p:sp>
+        <p:nvSpPr>
+          <p:cNvPr id="240" name="Google Shape;240;p9"/>
+          <p:cNvSpPr txBox="1"/>
+          <p:nvPr/>
+        </p:nvSpPr>
+        <p:spPr>
+          <a:xfrm>
+            <a:off x="2305197" y="279283"/>
+            <a:ext cx="7581606" cy="584775"/>
+          </a:xfrm>
+          <a:prstGeom prst="rect">
+            <a:avLst/>
+          </a:prstGeom>
+          <a:noFill/>
+          <a:ln>
+            <a:noFill/>
+          </a:ln>
+        </p:spPr>
+        <p:txBody>
+          <a:bodyPr spcFirstLastPara="1" wrap="square" lIns="91425" tIns="45700" rIns="91425" bIns="45700" anchor="t" anchorCtr="0">
+            <a:spAutoFit/>
+          </a:bodyPr>
+          <a:lstStyle/>
+          <a:p>
+            <a:pPr marL="0" marR="0" lvl="0" indent="0" algn="ctr" rtl="0">
+              <a:spcBef>
+                <a:spcPts val="0"/>
+              </a:spcBef>
+              <a:spcAft>
+                <a:spcPts val="0"/>
+              </a:spcAft>
+              <a:buNone/>
+            </a:pPr>
+            <a:r>
+              <a:rPr lang="en-US" sz="3200" b="1">
+                <a:solidFill>
+                  <a:schemeClr val="lt1"/>
+                </a:solidFill>
+                <a:latin typeface="Nunito"/>
+                <a:ea typeface="Nunito"/>
+                <a:cs typeface="Nunito"/>
+                <a:sym typeface="Nunito"/>
+              </a:rPr>
+              <a:t>KẾT LUẬN</a:t>
+            </a:r>
+            <a:endParaRPr lang="en-US" sz="3200" b="1">
+              <a:solidFill>
+                <a:schemeClr val="lt1"/>
+              </a:solidFill>
+              <a:latin typeface="Nunito"/>
+              <a:ea typeface="Nunito"/>
+              <a:cs typeface="Nunito"/>
+              <a:sym typeface="Nunito"/>
+            </a:endParaRPr>
+          </a:p>
+        </p:txBody>
+      </p:sp>
+      <p:sp>
+        <p:nvSpPr>
+          <p:cNvPr id="241" name="Google Shape;241;p9"/>
+          <p:cNvSpPr txBox="1"/>
+          <p:nvPr/>
+        </p:nvSpPr>
+        <p:spPr>
+          <a:xfrm>
+            <a:off x="733806" y="2438838"/>
+            <a:ext cx="4299104" cy="3968115"/>
+          </a:xfrm>
+          <a:prstGeom prst="rect">
+            <a:avLst/>
+          </a:prstGeom>
+          <a:solidFill>
+            <a:schemeClr val="lt1"/>
+          </a:solidFill>
+          <a:ln>
+            <a:noFill/>
+          </a:ln>
+        </p:spPr>
+        <p:txBody>
+          <a:bodyPr spcFirstLastPara="1" wrap="square" lIns="91425" tIns="45700" rIns="91425" bIns="45700" anchor="t" anchorCtr="0">
+            <a:spAutoFit/>
+          </a:bodyPr>
+          <a:lstStyle/>
+          <a:p>
+            <a:pPr marL="285750" marR="0" lvl="0" indent="-285750" algn="l" rtl="0">
+              <a:lnSpc>
+                <a:spcPct val="150000"/>
+              </a:lnSpc>
+              <a:spcBef>
+                <a:spcPts val="0"/>
+              </a:spcBef>
+              <a:spcAft>
+                <a:spcPts val="0"/>
+              </a:spcAft>
+              <a:buClr>
+                <a:schemeClr val="dk1"/>
+              </a:buClr>
+              <a:buSzPts val="2400"/>
+              <a:buFont typeface="Arial" panose="020B0604020202020204"/>
+              <a:buChar char="•"/>
+            </a:pPr>
+            <a:r>
+              <a:rPr lang="en-US" sz="2400">
+                <a:solidFill>
+                  <a:schemeClr val="dk1"/>
+                </a:solidFill>
+                <a:latin typeface="Nunito"/>
+                <a:ea typeface="Nunito"/>
+                <a:cs typeface="Nunito"/>
+                <a:sym typeface="Nunito"/>
+              </a:rPr>
+              <a:t>Hoàn thành được mục tiêu đề tài</a:t>
+            </a:r>
+            <a:endParaRPr lang="en-US" sz="2400">
+              <a:solidFill>
+                <a:schemeClr val="dk1"/>
+              </a:solidFill>
+              <a:latin typeface="Nunito"/>
+              <a:ea typeface="Nunito"/>
+              <a:cs typeface="Nunito"/>
+              <a:sym typeface="Nunito"/>
+            </a:endParaRPr>
+          </a:p>
+          <a:p>
+            <a:pPr marL="285750" marR="0" lvl="0" indent="-285750" algn="l" rtl="0">
+              <a:lnSpc>
+                <a:spcPct val="150000"/>
+              </a:lnSpc>
+              <a:spcBef>
+                <a:spcPts val="0"/>
+              </a:spcBef>
+              <a:spcAft>
+                <a:spcPts val="0"/>
+              </a:spcAft>
+              <a:buClr>
+                <a:schemeClr val="dk1"/>
+              </a:buClr>
+              <a:buSzPts val="2400"/>
+              <a:buFont typeface="Arial" panose="020B0604020202020204"/>
+              <a:buChar char="•"/>
+            </a:pPr>
+            <a:r>
+              <a:rPr lang="en-US" sz="2400">
+                <a:solidFill>
+                  <a:schemeClr val="dk1"/>
+                </a:solidFill>
+                <a:latin typeface="Nunito"/>
+                <a:ea typeface="Nunito"/>
+                <a:cs typeface="Nunito"/>
+                <a:sym typeface="Nunito"/>
+              </a:rPr>
+              <a:t>Hoàn thành được chức năng của Website quản trị rủi ro</a:t>
+            </a:r>
+            <a:endParaRPr sz="2400">
+              <a:solidFill>
+                <a:schemeClr val="dk1"/>
+              </a:solidFill>
+              <a:latin typeface="Nunito"/>
+              <a:ea typeface="Nunito"/>
+              <a:cs typeface="Nunito"/>
+              <a:sym typeface="Nunito"/>
+            </a:endParaRPr>
+          </a:p>
+          <a:p>
+            <a:pPr marL="285750" marR="0" lvl="0" indent="-285750" algn="l" rtl="0">
+              <a:lnSpc>
+                <a:spcPct val="150000"/>
+              </a:lnSpc>
+              <a:spcBef>
+                <a:spcPts val="0"/>
+              </a:spcBef>
+              <a:spcAft>
+                <a:spcPts val="0"/>
+              </a:spcAft>
+              <a:buClr>
+                <a:schemeClr val="dk1"/>
+              </a:buClr>
+              <a:buSzPts val="2400"/>
+              <a:buFont typeface="Arial" panose="020B0604020202020204"/>
+              <a:buChar char="•"/>
+            </a:pPr>
+            <a:r>
+              <a:rPr lang="en-US" sz="2400">
+                <a:solidFill>
+                  <a:schemeClr val="dk1"/>
+                </a:solidFill>
+                <a:latin typeface="Nunito"/>
+                <a:ea typeface="Nunito"/>
+                <a:cs typeface="Nunito"/>
+                <a:sym typeface="Nunito"/>
+              </a:rPr>
+              <a:t>Hiểu rõ hơn về việc xây Website</a:t>
+            </a:r>
+            <a:endParaRPr sz="2400">
+              <a:solidFill>
+                <a:schemeClr val="dk1"/>
+              </a:solidFill>
+              <a:latin typeface="Nunito"/>
+              <a:ea typeface="Nunito"/>
+              <a:cs typeface="Nunito"/>
+              <a:sym typeface="Nunito"/>
+            </a:endParaRPr>
+          </a:p>
+        </p:txBody>
+      </p:sp>
+      <p:sp>
+        <p:nvSpPr>
+          <p:cNvPr id="242" name="Google Shape;242;p9"/>
+          <p:cNvSpPr txBox="1"/>
+          <p:nvPr/>
+        </p:nvSpPr>
+        <p:spPr>
+          <a:xfrm>
+            <a:off x="7504580" y="2521757"/>
+            <a:ext cx="4073237" cy="4521835"/>
+          </a:xfrm>
+          <a:prstGeom prst="rect">
+            <a:avLst/>
+          </a:prstGeom>
+          <a:solidFill>
+            <a:schemeClr val="lt1"/>
+          </a:solidFill>
+          <a:ln>
+            <a:noFill/>
+          </a:ln>
+        </p:spPr>
+        <p:txBody>
+          <a:bodyPr spcFirstLastPara="1" wrap="square" lIns="91425" tIns="45700" rIns="91425" bIns="45700" anchor="t" anchorCtr="0">
+            <a:spAutoFit/>
+          </a:bodyPr>
+          <a:lstStyle/>
+          <a:p>
+            <a:pPr marL="285750" marR="0" lvl="0" indent="-285750" algn="l" rtl="0">
+              <a:lnSpc>
+                <a:spcPct val="150000"/>
+              </a:lnSpc>
+              <a:spcBef>
+                <a:spcPts val="0"/>
+              </a:spcBef>
+              <a:spcAft>
+                <a:spcPts val="0"/>
+              </a:spcAft>
+              <a:buClr>
+                <a:schemeClr val="dk1"/>
+              </a:buClr>
+              <a:buSzPts val="2400"/>
+              <a:buFont typeface="Arial" panose="020B0604020202020204"/>
+              <a:buChar char="•"/>
+            </a:pPr>
+            <a:r>
+              <a:rPr lang="en-US" sz="2400">
+                <a:solidFill>
+                  <a:schemeClr val="dk1"/>
+                </a:solidFill>
+                <a:latin typeface="Nunito"/>
+                <a:ea typeface="Nunito"/>
+                <a:cs typeface="Nunito"/>
+                <a:sym typeface="Nunito"/>
+              </a:rPr>
+              <a:t>Không chỉ quản trị rủi ro cơ sở vật chất UTC2 mà còn hướng đến quản lý rủi ro những lĩnh vực khác.</a:t>
+            </a:r>
+            <a:endParaRPr lang="en-US" sz="2400">
+              <a:solidFill>
+                <a:schemeClr val="dk1"/>
+              </a:solidFill>
+              <a:latin typeface="Nunito"/>
+              <a:ea typeface="Nunito"/>
+              <a:cs typeface="Nunito"/>
+              <a:sym typeface="Nunito"/>
+            </a:endParaRPr>
+          </a:p>
+          <a:p>
+            <a:pPr marL="285750" marR="0" lvl="0" indent="-285750" algn="l" rtl="0">
+              <a:lnSpc>
+                <a:spcPct val="150000"/>
+              </a:lnSpc>
+              <a:spcBef>
+                <a:spcPts val="0"/>
+              </a:spcBef>
+              <a:spcAft>
+                <a:spcPts val="0"/>
+              </a:spcAft>
+              <a:buClr>
+                <a:schemeClr val="dk1"/>
+              </a:buClr>
+              <a:buSzPts val="2400"/>
+              <a:buFont typeface="Arial" panose="020B0604020202020204"/>
+              <a:buChar char="•"/>
+            </a:pPr>
+            <a:r>
+              <a:rPr lang="en-US" sz="2400">
+                <a:solidFill>
+                  <a:schemeClr val="dk1"/>
+                </a:solidFill>
+                <a:latin typeface="Nunito"/>
+                <a:ea typeface="Nunito"/>
+                <a:cs typeface="Nunito"/>
+                <a:sym typeface="Nunito"/>
+              </a:rPr>
+              <a:t>Tích hợp đánh giá phản hồi và phản hồi</a:t>
+            </a:r>
+            <a:endParaRPr sz="2400">
+              <a:solidFill>
+                <a:schemeClr val="dk1"/>
+              </a:solidFill>
+              <a:latin typeface="Nunito"/>
+              <a:ea typeface="Nunito"/>
+              <a:cs typeface="Nunito"/>
+              <a:sym typeface="Nunito"/>
+            </a:endParaRPr>
+          </a:p>
+          <a:p>
+            <a:pPr marL="285750" marR="0" lvl="0" indent="-133350" algn="l" rtl="0">
+              <a:lnSpc>
+                <a:spcPct val="150000"/>
+              </a:lnSpc>
+              <a:spcBef>
+                <a:spcPts val="0"/>
+              </a:spcBef>
+              <a:spcAft>
+                <a:spcPts val="0"/>
+              </a:spcAft>
+              <a:buClr>
+                <a:schemeClr val="dk1"/>
+              </a:buClr>
+              <a:buSzPts val="2400"/>
+              <a:buFont typeface="Arial" panose="020B0604020202020204"/>
+              <a:buNone/>
+            </a:pPr>
+            <a:endParaRPr sz="2400">
+              <a:solidFill>
+                <a:schemeClr val="dk1"/>
+              </a:solidFill>
+              <a:latin typeface="Nunito"/>
+              <a:ea typeface="Nunito"/>
+              <a:cs typeface="Nunito"/>
+              <a:sym typeface="Nunito"/>
+            </a:endParaRPr>
+          </a:p>
+        </p:txBody>
+      </p:sp>
+      <p:sp>
+        <p:nvSpPr>
+          <p:cNvPr id="245" name="Google Shape;245;p9"/>
+          <p:cNvSpPr txBox="1"/>
+          <p:nvPr/>
+        </p:nvSpPr>
+        <p:spPr>
+          <a:xfrm flipH="1">
+            <a:off x="5231765" y="2830195"/>
+            <a:ext cx="1454150" cy="1197610"/>
+          </a:xfrm>
+          <a:prstGeom prst="rect">
+            <a:avLst/>
+          </a:prstGeom>
+          <a:noFill/>
+          <a:ln>
+            <a:noFill/>
+          </a:ln>
+        </p:spPr>
+        <p:txBody>
+          <a:bodyPr spcFirstLastPara="1" wrap="square" lIns="91425" tIns="45700" rIns="91425" bIns="45700" anchor="t" anchorCtr="0">
+            <a:spAutoFit/>
+          </a:bodyPr>
+          <a:lstStyle/>
+          <a:p>
+            <a:pPr marL="0" marR="0" lvl="0" indent="0" algn="ctr" rtl="0">
+              <a:spcBef>
+                <a:spcPts val="0"/>
+              </a:spcBef>
+              <a:spcAft>
+                <a:spcPts val="0"/>
+              </a:spcAft>
+              <a:buNone/>
+            </a:pPr>
+            <a:r>
+              <a:rPr lang="en-US" sz="1800" b="1">
+                <a:solidFill>
+                  <a:schemeClr val="dk1"/>
+                </a:solidFill>
+                <a:latin typeface="Nunito"/>
+                <a:ea typeface="Nunito"/>
+                <a:cs typeface="Nunito"/>
+                <a:sym typeface="Nunito"/>
+              </a:rPr>
+              <a:t>Ứng dụng quản trị rủi ro UTC2</a:t>
+            </a:r>
+            <a:endParaRPr lang="en-US" sz="1800" b="1">
+              <a:solidFill>
+                <a:schemeClr val="dk1"/>
+              </a:solidFill>
+              <a:latin typeface="Nunito"/>
+              <a:ea typeface="Nunito"/>
+              <a:cs typeface="Nunito"/>
+              <a:sym typeface="Nunito"/>
+            </a:endParaRPr>
+          </a:p>
+        </p:txBody>
+      </p:sp>
+      <p:grpSp>
+        <p:nvGrpSpPr>
+          <p:cNvPr id="246" name="Google Shape;246;p9"/>
+          <p:cNvGrpSpPr/>
+          <p:nvPr/>
+        </p:nvGrpSpPr>
+        <p:grpSpPr>
+          <a:xfrm>
+            <a:off x="7591399" y="1678734"/>
+            <a:ext cx="3460790" cy="584776"/>
+            <a:chOff x="7591399" y="1556814"/>
+            <a:chExt cx="3460790" cy="584776"/>
+          </a:xfrm>
+        </p:grpSpPr>
+        <p:sp>
+          <p:nvSpPr>
+            <p:cNvPr id="247" name="Google Shape;247;p9"/>
+            <p:cNvSpPr txBox="1"/>
+            <p:nvPr/>
+          </p:nvSpPr>
+          <p:spPr>
+            <a:xfrm>
+              <a:off x="8289894" y="1741480"/>
+              <a:ext cx="2762295" cy="400110"/>
+            </a:xfrm>
+            <a:prstGeom prst="rect">
+              <a:avLst/>
+            </a:prstGeom>
+            <a:noFill/>
+            <a:ln>
+              <a:noFill/>
+            </a:ln>
+          </p:spPr>
+          <p:txBody>
+            <a:bodyPr spcFirstLastPara="1" wrap="square" lIns="91425" tIns="45700" rIns="91425" bIns="45700" anchor="t" anchorCtr="0">
+              <a:spAutoFit/>
+            </a:bodyPr>
+            <a:lstStyle/>
+            <a:p>
+              <a:pPr marL="0" marR="0" lvl="0" indent="0" algn="l" rtl="0">
+                <a:spcBef>
+                  <a:spcPts val="0"/>
+                </a:spcBef>
+                <a:spcAft>
+                  <a:spcPts val="0"/>
+                </a:spcAft>
+                <a:buNone/>
+              </a:pPr>
+              <a:r>
+                <a:rPr lang="en-US" sz="2000" b="1">
+                  <a:solidFill>
+                    <a:schemeClr val="dk1"/>
+                  </a:solidFill>
+                  <a:latin typeface="Nunito"/>
+                  <a:ea typeface="Nunito"/>
+                  <a:cs typeface="Nunito"/>
+                  <a:sym typeface="Nunito"/>
+                </a:rPr>
+                <a:t>HƯỚNG PHÁT TRIỂN</a:t>
+              </a:r>
+              <a:endParaRPr lang="en-US" sz="2000" b="1">
+                <a:solidFill>
+                  <a:schemeClr val="dk1"/>
+                </a:solidFill>
+                <a:latin typeface="Nunito"/>
+                <a:ea typeface="Nunito"/>
+                <a:cs typeface="Nunito"/>
+                <a:sym typeface="Nunito"/>
+              </a:endParaRPr>
+            </a:p>
+          </p:txBody>
+        </p:sp>
+        <p:pic>
+          <p:nvPicPr>
+            <p:cNvPr id="248" name="Google Shape;248;p9"/>
+            <p:cNvPicPr preferRelativeResize="0"/>
+            <p:nvPr/>
+          </p:nvPicPr>
+          <p:blipFill rotWithShape="1">
+            <a:blip r:embed="rId2"/>
+            <a:srcRect/>
+            <a:stretch>
+              <a:fillRect/>
+            </a:stretch>
+          </p:blipFill>
+          <p:spPr>
+            <a:xfrm>
+              <a:off x="7591399" y="1556814"/>
+              <a:ext cx="526207" cy="526207"/>
+            </a:xfrm>
+            <a:prstGeom prst="rect">
+              <a:avLst/>
+            </a:prstGeom>
+            <a:noFill/>
+            <a:ln>
+              <a:noFill/>
+            </a:ln>
+          </p:spPr>
+        </p:pic>
+      </p:grpSp>
+      <p:grpSp>
+        <p:nvGrpSpPr>
+          <p:cNvPr id="249" name="Google Shape;249;p9"/>
+          <p:cNvGrpSpPr/>
+          <p:nvPr/>
+        </p:nvGrpSpPr>
+        <p:grpSpPr>
+          <a:xfrm>
+            <a:off x="1046563" y="1625755"/>
+            <a:ext cx="3285914" cy="594273"/>
+            <a:chOff x="1046563" y="1625755"/>
+            <a:chExt cx="3285914" cy="594273"/>
+          </a:xfrm>
+        </p:grpSpPr>
+        <p:sp>
+          <p:nvSpPr>
+            <p:cNvPr id="250" name="Google Shape;250;p9"/>
+            <p:cNvSpPr txBox="1"/>
+            <p:nvPr/>
+          </p:nvSpPr>
+          <p:spPr>
+            <a:xfrm>
+              <a:off x="1570182" y="1819918"/>
+              <a:ext cx="2762295" cy="400110"/>
+            </a:xfrm>
+            <a:prstGeom prst="rect">
+              <a:avLst/>
+            </a:prstGeom>
+            <a:noFill/>
+            <a:ln>
+              <a:noFill/>
+            </a:ln>
+          </p:spPr>
+          <p:txBody>
+            <a:bodyPr spcFirstLastPara="1" wrap="square" lIns="91425" tIns="45700" rIns="91425" bIns="45700" anchor="t" anchorCtr="0">
+              <a:spAutoFit/>
+            </a:bodyPr>
+            <a:lstStyle/>
+            <a:p>
+              <a:pPr marL="0" marR="0" lvl="0" indent="0" algn="l" rtl="0">
+                <a:spcBef>
+                  <a:spcPts val="0"/>
+                </a:spcBef>
+                <a:spcAft>
+                  <a:spcPts val="0"/>
+                </a:spcAft>
+                <a:buNone/>
+              </a:pPr>
+              <a:r>
+                <a:rPr lang="en-US" sz="2000" b="1">
+                  <a:solidFill>
+                    <a:schemeClr val="dk1"/>
+                  </a:solidFill>
+                  <a:latin typeface="Nunito"/>
+                  <a:ea typeface="Nunito"/>
+                  <a:cs typeface="Nunito"/>
+                  <a:sym typeface="Nunito"/>
+                </a:rPr>
+                <a:t>KẾT QUẢ ĐẠT ĐƯỢC</a:t>
+              </a:r>
+              <a:endParaRPr lang="en-US" sz="2000" b="1">
+                <a:solidFill>
+                  <a:schemeClr val="dk1"/>
+                </a:solidFill>
+                <a:latin typeface="Nunito"/>
+                <a:ea typeface="Nunito"/>
+                <a:cs typeface="Nunito"/>
+                <a:sym typeface="Nunito"/>
+              </a:endParaRPr>
+            </a:p>
+          </p:txBody>
+        </p:sp>
+        <p:pic>
+          <p:nvPicPr>
+            <p:cNvPr id="251" name="Google Shape;251;p9"/>
+            <p:cNvPicPr preferRelativeResize="0"/>
+            <p:nvPr/>
+          </p:nvPicPr>
+          <p:blipFill rotWithShape="1">
+            <a:blip r:embed="rId3"/>
+            <a:srcRect/>
+            <a:stretch>
+              <a:fillRect/>
+            </a:stretch>
+          </p:blipFill>
+          <p:spPr>
+            <a:xfrm>
+              <a:off x="1046563" y="1625755"/>
+              <a:ext cx="485057" cy="485057"/>
+            </a:xfrm>
+            <a:prstGeom prst="rect">
+              <a:avLst/>
+            </a:prstGeom>
+            <a:noFill/>
+            <a:ln>
+              <a:noFill/>
+            </a:ln>
+          </p:spPr>
+        </p:pic>
+      </p:grpSp>
+    </p:spTree>
+  </p:cSld>
+  <p:clrMapOvr>
+    <a:masterClrMapping/>
+  </p:clrMapOvr>
+  <p:transition spd="slow">
+    <p:push/>
+  </p:transition>
+  <p:timing>
+    <p:tnLst>
+      <p:par>
+        <p:cTn id="1" dur="indefinite" restart="never" nodeType="tmRoot">
+          <p:childTnLst>
+            <p:seq concurrent="1" nextAc="seek">
+              <p:cTn id="2" dur="indefinite" nodeType="mainSeq">
+                <p:childTnLst>
+                  <p:par>
+                    <p:cTn id="3" fill="hold">
+                      <p:stCondLst>
+                        <p:cond delay="indefinite"/>
+                        <p:cond evt="onBegin" delay="0">
+                          <p:tn val="2"/>
+                        </p:cond>
+                      </p:stCondLst>
+                      <p:childTnLst>
+                        <p:par>
+                          <p:cTn id="4" fill="hold">
+                            <p:stCondLst>
+                              <p:cond delay="0"/>
+                            </p:stCondLst>
+                            <p:childTnLst>
+                              <p:par>
+                                <p:cTn id="5" presetID="10" presetClass="entr" presetSubtype="0" fill="hold" nodeType="withEffect">
+                                  <p:stCondLst>
+                                    <p:cond delay="250"/>
+                                  </p:stCondLst>
+                                  <p:childTnLst>
+                                    <p:set>
+                                      <p:cBhvr>
+                                        <p:cTn id="6" dur="1" fill="hold">
+                                          <p:stCondLst>
+                                            <p:cond delay="0"/>
+                                          </p:stCondLst>
+                                        </p:cTn>
+                                        <p:tgtEl>
+                                          <p:spTgt spid="249"/>
+                                        </p:tgtEl>
+                                        <p:attrNameLst>
+                                          <p:attrName>style.visibility</p:attrName>
+                                        </p:attrNameLst>
+                                      </p:cBhvr>
+                                      <p:to>
+                                        <p:strVal val="visible"/>
+                                      </p:to>
+                                    </p:set>
+                                    <p:animEffect transition="in" filter="fade">
+                                      <p:cBhvr>
+                                        <p:cTn id="7" dur="500"/>
+                                        <p:tgtEl>
+                                          <p:spTgt spid="249"/>
+                                        </p:tgtEl>
+                                      </p:cBhvr>
+                                    </p:animEffect>
+                                  </p:childTnLst>
+                                </p:cTn>
+                              </p:par>
+                              <p:par>
+                                <p:cTn id="8" presetID="10" presetClass="entr" presetSubtype="0" fill="hold" nodeType="withEffect">
+                                  <p:stCondLst>
+                                    <p:cond delay="250"/>
+                                  </p:stCondLst>
+                                  <p:childTnLst>
+                                    <p:set>
+                                      <p:cBhvr>
+                                        <p:cTn id="9" dur="1" fill="hold">
+                                          <p:stCondLst>
+                                            <p:cond delay="0"/>
+                                          </p:stCondLst>
+                                        </p:cTn>
+                                        <p:tgtEl>
+                                          <p:spTgt spid="246"/>
+                                        </p:tgtEl>
+                                        <p:attrNameLst>
+                                          <p:attrName>style.visibility</p:attrName>
+                                        </p:attrNameLst>
+                                      </p:cBhvr>
+                                      <p:to>
+                                        <p:strVal val="visible"/>
+                                      </p:to>
+                                    </p:set>
+                                    <p:animEffect transition="in" filter="fade">
+                                      <p:cBhvr>
+                                        <p:cTn id="10" dur="500"/>
+                                        <p:tgtEl>
+                                          <p:spTgt spid="246"/>
+                                        </p:tgtEl>
+                                      </p:cBhvr>
+                                    </p:animEffect>
+                                  </p:childTnLst>
+                                </p:cTn>
+                              </p:par>
+                              <p:par>
+                                <p:cTn id="11" presetID="10" presetClass="entr" presetSubtype="0" fill="hold" nodeType="withEffect">
+                                  <p:stCondLst>
+                                    <p:cond delay="500"/>
+                                  </p:stCondLst>
+                                  <p:childTnLst>
+                                    <p:set>
+                                      <p:cBhvr>
+                                        <p:cTn id="12" dur="1" fill="hold">
+                                          <p:stCondLst>
+                                            <p:cond delay="0"/>
+                                          </p:stCondLst>
+                                        </p:cTn>
+                                        <p:tgtEl>
+                                          <p:spTgt spid="241"/>
+                                        </p:tgtEl>
+                                        <p:attrNameLst>
+                                          <p:attrName>style.visibility</p:attrName>
+                                        </p:attrNameLst>
+                                      </p:cBhvr>
+                                      <p:to>
+                                        <p:strVal val="visible"/>
+                                      </p:to>
+                                    </p:set>
+                                    <p:animEffect transition="in" filter="fade">
+                                      <p:cBhvr>
+                                        <p:cTn id="13" dur="500"/>
+                                        <p:tgtEl>
+                                          <p:spTgt spid="241"/>
+                                        </p:tgtEl>
+                                      </p:cBhvr>
+                                    </p:animEffect>
+                                  </p:childTnLst>
+                                </p:cTn>
+                              </p:par>
+                              <p:par>
+                                <p:cTn id="14" presetID="10" presetClass="entr" presetSubtype="0" fill="hold" nodeType="withEffect">
+                                  <p:stCondLst>
+                                    <p:cond delay="500"/>
+                                  </p:stCondLst>
+                                  <p:childTnLst>
+                                    <p:set>
+                                      <p:cBhvr>
+                                        <p:cTn id="15" dur="1" fill="hold">
+                                          <p:stCondLst>
+                                            <p:cond delay="0"/>
+                                          </p:stCondLst>
+                                        </p:cTn>
+                                        <p:tgtEl>
+                                          <p:spTgt spid="242"/>
+                                        </p:tgtEl>
+                                        <p:attrNameLst>
+                                          <p:attrName>style.visibility</p:attrName>
+                                        </p:attrNameLst>
+                                      </p:cBhvr>
+                                      <p:to>
+                                        <p:strVal val="visible"/>
+                                      </p:to>
+                                    </p:set>
+                                    <p:animEffect transition="in" filter="fade">
+                                      <p:cBhvr>
+                                        <p:cTn id="16" dur="500"/>
+                                        <p:tgtEl>
+                                          <p:spTgt spid="242"/>
+                                        </p:tgtEl>
+                                      </p:cBhvr>
+                                    </p:animEffect>
+                                  </p:childTnLst>
+                                </p:cTn>
+                              </p:par>
+                            </p:childTnLst>
+                          </p:cTn>
+                        </p:par>
+                      </p:childTnLst>
+                    </p:cTn>
+                  </p:par>
+                </p:childTnLst>
+              </p:cTn>
+              <p:prevCondLst>
+                <p:cond evt="onPrev">
+                  <p:tgtEl>
+                    <p:sldTgt/>
+                  </p:tgtEl>
+                </p:cond>
+              </p:prevCondLst>
+              <p:nextCondLst>
+                <p:cond evt="onNext">
+                  <p:tgtEl>
+                    <p:sldTgt/>
+                  </p:tgtEl>
+                </p:cond>
+              </p:nextCondLst>
+            </p:seq>
+          </p:childTnLst>
+        </p:cTn>
+      </p:par>
+    </p:tnLst>
+  </p:timing>
+</p:sld>
+</file>
+
+<file path=ppt/slides/slide11.xml><?xml version="1.0" encoding="utf-8"?>
+<p:sld xmlns:a="http://schemas.openxmlformats.org/drawingml/2006/main" xmlns:r="http://schemas.openxmlformats.org/officeDocument/2006/relationships" xmlns:p="http://schemas.openxmlformats.org/presentationml/2006/main">
+  <p:cSld>
+    <p:bg>
+      <p:bgPr>
+        <a:solidFill>
+          <a:schemeClr val="lt1"/>
+        </a:solidFill>
+        <a:effectLst/>
+      </p:bgPr>
+    </p:bg>
+    <p:spTree>
+      <p:nvGrpSpPr>
         <p:cNvPr id="256" name="Shape 256"/>
         <p:cNvGrpSpPr/>
         <p:nvPr/>
@@ -16622,6 +17576,500 @@
 </file>
 
 <file path=ppt/slides/slide7.xml><?xml version="1.0" encoding="utf-8"?>
+<p:sld xmlns:a="http://schemas.openxmlformats.org/drawingml/2006/main" xmlns:r="http://schemas.openxmlformats.org/officeDocument/2006/relationships" xmlns:p="http://schemas.openxmlformats.org/presentationml/2006/main">
+  <p:cSld>
+    <p:spTree>
+      <p:nvGrpSpPr>
+        <p:cNvPr id="177" name="Shape 177"/>
+        <p:cNvGrpSpPr/>
+        <p:nvPr/>
+      </p:nvGrpSpPr>
+      <p:grpSpPr>
+        <a:xfrm>
+          <a:off x="0" y="0"/>
+          <a:ext cx="0" cy="0"/>
+          <a:chOff x="0" y="0"/>
+          <a:chExt cx="0" cy="0"/>
+        </a:xfrm>
+      </p:grpSpPr>
+      <p:sp>
+        <p:nvSpPr>
+          <p:cNvPr id="178" name="Google Shape;178;p6"/>
+          <p:cNvSpPr txBox="1"/>
+          <p:nvPr>
+            <p:ph type="dt" idx="10"/>
+          </p:nvPr>
+        </p:nvSpPr>
+        <p:spPr>
+          <a:xfrm>
+            <a:off x="838200" y="6356350"/>
+            <a:ext cx="2743200" cy="365125"/>
+          </a:xfrm>
+          <a:prstGeom prst="rect">
+            <a:avLst/>
+          </a:prstGeom>
+          <a:noFill/>
+          <a:ln>
+            <a:noFill/>
+          </a:ln>
+        </p:spPr>
+        <p:txBody>
+          <a:bodyPr spcFirstLastPara="1" wrap="square" lIns="91425" tIns="45700" rIns="91425" bIns="45700" anchor="ctr" anchorCtr="0">
+            <a:noAutofit/>
+          </a:bodyPr>
+          <a:lstStyle/>
+          <a:p>
+            <a:pPr marL="0" lvl="0" indent="0" algn="l" rtl="0">
+              <a:spcBef>
+                <a:spcPts val="0"/>
+              </a:spcBef>
+              <a:spcAft>
+                <a:spcPts val="0"/>
+              </a:spcAft>
+              <a:buNone/>
+            </a:pPr>
+            <a:r>
+              <a:rPr lang="en-US"/>
+              <a:t>Thứ Hai, 26 Tháng Sáu 2023</a:t>
+            </a:r>
+            <a:endParaRPr lang="en-US"/>
+          </a:p>
+        </p:txBody>
+      </p:sp>
+      <p:pic>
+        <p:nvPicPr>
+          <p:cNvPr id="179" name="Google Shape;179;p6"/>
+          <p:cNvPicPr preferRelativeResize="0"/>
+          <p:nvPr/>
+        </p:nvPicPr>
+        <p:blipFill rotWithShape="1">
+          <a:blip r:embed="rId1"/>
+          <a:srcRect/>
+          <a:stretch>
+            <a:fillRect/>
+          </a:stretch>
+        </p:blipFill>
+        <p:spPr>
+          <a:xfrm>
+            <a:off x="0" y="0"/>
+            <a:ext cx="12192000" cy="6858000"/>
+          </a:xfrm>
+          <a:prstGeom prst="rect">
+            <a:avLst/>
+          </a:prstGeom>
+          <a:noFill/>
+          <a:ln>
+            <a:noFill/>
+          </a:ln>
+        </p:spPr>
+      </p:pic>
+      <p:grpSp>
+        <p:nvGrpSpPr>
+          <p:cNvPr id="180" name="Google Shape;180;p6"/>
+          <p:cNvGrpSpPr/>
+          <p:nvPr/>
+        </p:nvGrpSpPr>
+        <p:grpSpPr>
+          <a:xfrm>
+            <a:off x="1194509" y="237565"/>
+            <a:ext cx="6520741" cy="668137"/>
+            <a:chOff x="923287" y="1054140"/>
+            <a:chExt cx="6520741" cy="668137"/>
+          </a:xfrm>
+        </p:grpSpPr>
+        <p:sp>
+          <p:nvSpPr>
+            <p:cNvPr id="181" name="Google Shape;181;p6"/>
+            <p:cNvSpPr/>
+            <p:nvPr/>
+          </p:nvSpPr>
+          <p:spPr>
+            <a:xfrm>
+              <a:off x="2397950" y="1054140"/>
+              <a:ext cx="4662019" cy="668137"/>
+            </a:xfrm>
+            <a:prstGeom prst="rect">
+              <a:avLst/>
+            </a:prstGeom>
+            <a:noFill/>
+            <a:ln>
+              <a:noFill/>
+            </a:ln>
+          </p:spPr>
+          <p:txBody>
+            <a:bodyPr spcFirstLastPara="1" wrap="square" lIns="91425" tIns="91425" rIns="91425" bIns="91425" anchor="ctr" anchorCtr="0">
+              <a:noAutofit/>
+            </a:bodyPr>
+            <a:lstStyle/>
+            <a:p>
+              <a:pPr marL="0" lvl="0" indent="0" algn="l" rtl="0">
+                <a:spcBef>
+                  <a:spcPts val="0"/>
+                </a:spcBef>
+                <a:spcAft>
+                  <a:spcPts val="0"/>
+                </a:spcAft>
+                <a:buNone/>
+              </a:pPr>
+            </a:p>
+          </p:txBody>
+        </p:sp>
+        <p:sp>
+          <p:nvSpPr>
+            <p:cNvPr id="182" name="Google Shape;182;p6"/>
+            <p:cNvSpPr txBox="1"/>
+            <p:nvPr/>
+          </p:nvSpPr>
+          <p:spPr>
+            <a:xfrm>
+              <a:off x="923287" y="1054140"/>
+              <a:ext cx="6520741" cy="668137"/>
+            </a:xfrm>
+            <a:prstGeom prst="rect">
+              <a:avLst/>
+            </a:prstGeom>
+            <a:noFill/>
+            <a:ln>
+              <a:noFill/>
+            </a:ln>
+          </p:spPr>
+          <p:txBody>
+            <a:bodyPr spcFirstLastPara="1" wrap="square" lIns="55225" tIns="55225" rIns="55225" bIns="55225" anchor="b" anchorCtr="0">
+              <a:noAutofit/>
+            </a:bodyPr>
+            <a:lstStyle/>
+            <a:p>
+              <a:pPr marL="0" marR="0" lvl="0" indent="0" algn="l" rtl="0">
+                <a:lnSpc>
+                  <a:spcPct val="90000"/>
+                </a:lnSpc>
+                <a:spcBef>
+                  <a:spcPts val="0"/>
+                </a:spcBef>
+                <a:spcAft>
+                  <a:spcPts val="0"/>
+                </a:spcAft>
+                <a:buClr>
+                  <a:schemeClr val="lt1"/>
+                </a:buClr>
+                <a:buSzPts val="2900"/>
+                <a:buFont typeface="Nunito"/>
+                <a:buNone/>
+              </a:pPr>
+              <a:r>
+                <a:rPr lang="en-US" sz="2900">
+                  <a:solidFill>
+                    <a:schemeClr val="lt1"/>
+                  </a:solidFill>
+                  <a:latin typeface="Nunito"/>
+                  <a:ea typeface="Nunito"/>
+                  <a:cs typeface="Nunito"/>
+                  <a:sym typeface="Nunito"/>
+                </a:rPr>
+                <a:t>PHÂN TÍCH THIẾT KẾ HỆ THỐNG</a:t>
+              </a:r>
+              <a:endParaRPr sz="2900">
+                <a:solidFill>
+                  <a:schemeClr val="lt1"/>
+                </a:solidFill>
+                <a:latin typeface="Nunito"/>
+                <a:ea typeface="Nunito"/>
+                <a:cs typeface="Nunito"/>
+                <a:sym typeface="Nunito"/>
+              </a:endParaRPr>
+            </a:p>
+          </p:txBody>
+        </p:sp>
+      </p:grpSp>
+      <p:grpSp>
+        <p:nvGrpSpPr>
+          <p:cNvPr id="183" name="Google Shape;183;p6"/>
+          <p:cNvGrpSpPr/>
+          <p:nvPr/>
+        </p:nvGrpSpPr>
+        <p:grpSpPr>
+          <a:xfrm>
+            <a:off x="271222" y="292077"/>
+            <a:ext cx="757478" cy="559113"/>
+            <a:chOff x="0" y="1108652"/>
+            <a:chExt cx="1951634" cy="559113"/>
+          </a:xfrm>
+        </p:grpSpPr>
+        <p:sp>
+          <p:nvSpPr>
+            <p:cNvPr id="184" name="Google Shape;184;p6"/>
+            <p:cNvSpPr/>
+            <p:nvPr/>
+          </p:nvSpPr>
+          <p:spPr>
+            <a:xfrm>
+              <a:off x="0" y="1108652"/>
+              <a:ext cx="1951634" cy="559113"/>
+            </a:xfrm>
+            <a:prstGeom prst="round2SameRect">
+              <a:avLst>
+                <a:gd name="adj1" fmla="val 16670"/>
+                <a:gd name="adj2" fmla="val 0"/>
+              </a:avLst>
+            </a:prstGeom>
+            <a:gradFill>
+              <a:gsLst>
+                <a:gs pos="0">
+                  <a:srgbClr val="213F76"/>
+                </a:gs>
+                <a:gs pos="50000">
+                  <a:srgbClr val="2F5CAB"/>
+                </a:gs>
+                <a:gs pos="100000">
+                  <a:srgbClr val="3A6FCD"/>
+                </a:gs>
+              </a:gsLst>
+              <a:path path="circle">
+                <a:fillToRect t="100000" r="100000"/>
+              </a:path>
+              <a:tileRect l="-100000" b="-100000"/>
+            </a:gradFill>
+            <a:ln w="12700" cap="flat" cmpd="sng">
+              <a:solidFill>
+                <a:srgbClr val="4372C3"/>
+              </a:solidFill>
+              <a:prstDash val="solid"/>
+              <a:miter lim="800000"/>
+              <a:headEnd type="none" w="sm" len="sm"/>
+              <a:tailEnd type="none" w="sm" len="sm"/>
+            </a:ln>
+          </p:spPr>
+          <p:txBody>
+            <a:bodyPr spcFirstLastPara="1" wrap="square" lIns="91425" tIns="91425" rIns="91425" bIns="91425" anchor="ctr" anchorCtr="0">
+              <a:noAutofit/>
+            </a:bodyPr>
+            <a:lstStyle/>
+            <a:p>
+              <a:pPr marL="0" lvl="0" indent="0" algn="l" rtl="0">
+                <a:spcBef>
+                  <a:spcPts val="0"/>
+                </a:spcBef>
+                <a:spcAft>
+                  <a:spcPts val="0"/>
+                </a:spcAft>
+                <a:buNone/>
+              </a:pPr>
+            </a:p>
+          </p:txBody>
+        </p:sp>
+        <p:sp>
+          <p:nvSpPr>
+            <p:cNvPr id="185" name="Google Shape;185;p6"/>
+            <p:cNvSpPr txBox="1"/>
+            <p:nvPr/>
+          </p:nvSpPr>
+          <p:spPr>
+            <a:xfrm>
+              <a:off x="27299" y="1135951"/>
+              <a:ext cx="1897036" cy="531814"/>
+            </a:xfrm>
+            <a:prstGeom prst="rect">
+              <a:avLst/>
+            </a:prstGeom>
+            <a:gradFill>
+              <a:gsLst>
+                <a:gs pos="0">
+                  <a:srgbClr val="213F76"/>
+                </a:gs>
+                <a:gs pos="50000">
+                  <a:srgbClr val="2F5CAB"/>
+                </a:gs>
+                <a:gs pos="100000">
+                  <a:srgbClr val="3A6FCD"/>
+                </a:gs>
+              </a:gsLst>
+              <a:path path="circle">
+                <a:fillToRect t="100000" r="100000"/>
+              </a:path>
+              <a:tileRect l="-100000" b="-100000"/>
+            </a:gradFill>
+            <a:ln>
+              <a:noFill/>
+            </a:ln>
+          </p:spPr>
+          <p:txBody>
+            <a:bodyPr spcFirstLastPara="1" wrap="square" lIns="55225" tIns="55225" rIns="55225" bIns="55225" anchor="ctr" anchorCtr="0">
+              <a:noAutofit/>
+            </a:bodyPr>
+            <a:lstStyle/>
+            <a:p>
+              <a:pPr marL="0" marR="0" lvl="0" indent="0" algn="ctr" rtl="0">
+                <a:lnSpc>
+                  <a:spcPct val="90000"/>
+                </a:lnSpc>
+                <a:spcBef>
+                  <a:spcPts val="0"/>
+                </a:spcBef>
+                <a:spcAft>
+                  <a:spcPts val="0"/>
+                </a:spcAft>
+                <a:buClr>
+                  <a:schemeClr val="lt1"/>
+                </a:buClr>
+                <a:buSzPts val="2900"/>
+                <a:buFont typeface="Calibri" panose="020F0502020204030204"/>
+                <a:buNone/>
+              </a:pPr>
+              <a:r>
+                <a:rPr lang="en-US" sz="2900">
+                  <a:solidFill>
+                    <a:schemeClr val="lt1"/>
+                  </a:solidFill>
+                  <a:latin typeface="Calibri" panose="020F0502020204030204"/>
+                  <a:ea typeface="Calibri" panose="020F0502020204030204"/>
+                  <a:cs typeface="Calibri" panose="020F0502020204030204"/>
+                  <a:sym typeface="Calibri" panose="020F0502020204030204"/>
+                </a:rPr>
+                <a:t>2</a:t>
+              </a:r>
+              <a:endParaRPr lang="en-US" sz="2900">
+                <a:solidFill>
+                  <a:schemeClr val="lt1"/>
+                </a:solidFill>
+                <a:latin typeface="Calibri" panose="020F0502020204030204"/>
+                <a:ea typeface="Calibri" panose="020F0502020204030204"/>
+                <a:cs typeface="Calibri" panose="020F0502020204030204"/>
+                <a:sym typeface="Calibri" panose="020F0502020204030204"/>
+              </a:endParaRPr>
+            </a:p>
+          </p:txBody>
+        </p:sp>
+      </p:grpSp>
+      <p:sp>
+        <p:nvSpPr>
+          <p:cNvPr id="186" name="Google Shape;186;p6"/>
+          <p:cNvSpPr txBox="1"/>
+          <p:nvPr/>
+        </p:nvSpPr>
+        <p:spPr>
+          <a:xfrm>
+            <a:off x="203200" y="1402080"/>
+            <a:ext cx="5974715" cy="459105"/>
+          </a:xfrm>
+          <a:prstGeom prst="rect">
+            <a:avLst/>
+          </a:prstGeom>
+          <a:noFill/>
+          <a:ln>
+            <a:noFill/>
+          </a:ln>
+        </p:spPr>
+        <p:txBody>
+          <a:bodyPr spcFirstLastPara="1" wrap="square" lIns="91425" tIns="45700" rIns="91425" bIns="45700" anchor="t" anchorCtr="0">
+            <a:spAutoFit/>
+          </a:bodyPr>
+          <a:lstStyle/>
+          <a:p>
+            <a:pPr marL="0" marR="0" lvl="0" indent="0" algn="l" rtl="0">
+              <a:spcBef>
+                <a:spcPts val="0"/>
+              </a:spcBef>
+              <a:spcAft>
+                <a:spcPts val="0"/>
+              </a:spcAft>
+              <a:buNone/>
+            </a:pPr>
+            <a:r>
+              <a:rPr lang="en-US" sz="2400" b="1">
+                <a:solidFill>
+                  <a:schemeClr val="dk1"/>
+                </a:solidFill>
+                <a:latin typeface="Nunito"/>
+                <a:ea typeface="Nunito"/>
+                <a:cs typeface="Nunito"/>
+                <a:sym typeface="Nunito"/>
+              </a:rPr>
+              <a:t>2.3 Áp dụng thuật toán lọc cộng tác</a:t>
+            </a:r>
+            <a:endParaRPr sz="2400" b="1">
+              <a:solidFill>
+                <a:schemeClr val="dk1"/>
+              </a:solidFill>
+              <a:latin typeface="Nunito"/>
+              <a:ea typeface="Nunito"/>
+              <a:cs typeface="Nunito"/>
+              <a:sym typeface="Nunito"/>
+            </a:endParaRPr>
+          </a:p>
+        </p:txBody>
+      </p:sp>
+      <p:sp>
+        <p:nvSpPr>
+          <p:cNvPr id="7" name="Text Box 6"/>
+          <p:cNvSpPr txBox="1"/>
+          <p:nvPr/>
+        </p:nvSpPr>
+        <p:spPr>
+          <a:xfrm>
+            <a:off x="5842000" y="3238500"/>
+            <a:ext cx="360680" cy="306705"/>
+          </a:xfrm>
+          <a:prstGeom prst="rect">
+            <a:avLst/>
+          </a:prstGeom>
+          <a:noFill/>
+        </p:spPr>
+        <p:txBody>
+          <a:bodyPr wrap="none" rtlCol="0" anchor="t">
+            <a:spAutoFit/>
+          </a:bodyPr>
+          <a:p>
+            <a:r>
+              <a:rPr lang="en-US">
+                <a:latin typeface="Arial" panose="020B0604020202020204" pitchFamily="34" charset="0"/>
+                <a:cs typeface="Arial" panose="020B0604020202020204" pitchFamily="34" charset="0"/>
+              </a:rPr>
+              <a:t>→</a:t>
+            </a:r>
+            <a:endParaRPr lang="en-US">
+              <a:latin typeface="Arial" panose="020B0604020202020204" pitchFamily="34" charset="0"/>
+              <a:cs typeface="Arial" panose="020B0604020202020204" pitchFamily="34" charset="0"/>
+            </a:endParaRPr>
+          </a:p>
+        </p:txBody>
+      </p:sp>
+      <p:pic>
+        <p:nvPicPr>
+          <p:cNvPr id="15" name="Picture 14"/>
+          <p:cNvPicPr>
+            <a:picLocks noChangeAspect="1"/>
+          </p:cNvPicPr>
+          <p:nvPr>
+            <p:custDataLst>
+              <p:tags r:id="rId2"/>
+            </p:custDataLst>
+          </p:nvPr>
+        </p:nvPicPr>
+        <p:blipFill>
+          <a:blip r:embed="rId3"/>
+          <a:stretch>
+            <a:fillRect/>
+          </a:stretch>
+        </p:blipFill>
+        <p:spPr>
+          <a:xfrm>
+            <a:off x="1376045" y="1772920"/>
+            <a:ext cx="9291955" cy="4467860"/>
+          </a:xfrm>
+          <a:prstGeom prst="rect">
+            <a:avLst/>
+          </a:prstGeom>
+        </p:spPr>
+      </p:pic>
+    </p:spTree>
+  </p:cSld>
+  <p:clrMapOvr>
+    <a:masterClrMapping/>
+  </p:clrMapOvr>
+</p:sld>
+</file>
+
+<file path=ppt/slides/slide8.xml><?xml version="1.0" encoding="utf-8"?>
 <p:sld xmlns:a="http://schemas.openxmlformats.org/drawingml/2006/main" xmlns:r="http://schemas.openxmlformats.org/officeDocument/2006/relationships" xmlns:p="http://schemas.openxmlformats.org/presentationml/2006/main">
   <p:cSld>
     <p:spTree>
@@ -17749,7 +19197,7 @@
         <p:spPr>
           <a:xfrm>
             <a:off x="203200" y="1402286"/>
-            <a:ext cx="4382931" cy="461665"/>
+            <a:ext cx="4382931" cy="459105"/>
           </a:xfrm>
           <a:prstGeom prst="rect">
             <a:avLst/>
@@ -17784,7 +19232,7 @@
                 <a:cs typeface="Nunito"/>
                 <a:sym typeface="Nunito"/>
               </a:rPr>
-              <a:t>2.2 Tổng quan chức năng.</a:t>
+              <a:t>2.4 Tổng quan chức năng.</a:t>
             </a:r>
             <a:endParaRPr sz="2400" b="1">
               <a:solidFill>
@@ -18259,7 +19707,7 @@
 </p:sld>
 </file>
 
-<file path=ppt/slides/slide8.xml><?xml version="1.0" encoding="utf-8"?>
+<file path=ppt/slides/slide9.xml><?xml version="1.0" encoding="utf-8"?>
 <p:sld xmlns:a="http://schemas.openxmlformats.org/drawingml/2006/main" xmlns:r="http://schemas.openxmlformats.org/officeDocument/2006/relationships" xmlns:p="http://schemas.openxmlformats.org/presentationml/2006/main">
   <p:cSld>
     <p:spTree>
@@ -18582,7 +20030,7 @@
       </p:grpSp>
       <p:pic>
         <p:nvPicPr>
-          <p:cNvPr id="1" name="Picture 0"/>
+          <p:cNvPr id="3" name="Picture 2"/>
           <p:cNvPicPr>
             <a:picLocks noChangeAspect="1"/>
           </p:cNvPicPr>
@@ -18647,860 +20095,6 @@
 </p:sld>
 </file>
 
-<file path=ppt/slides/slide9.xml><?xml version="1.0" encoding="utf-8"?>
-<p:sld xmlns:a="http://schemas.openxmlformats.org/drawingml/2006/main" xmlns:r="http://schemas.openxmlformats.org/officeDocument/2006/relationships" xmlns:p="http://schemas.openxmlformats.org/presentationml/2006/main">
-  <p:cSld>
-    <p:bg>
-      <p:bgPr>
-        <a:solidFill>
-          <a:schemeClr val="lt1"/>
-        </a:solidFill>
-        <a:effectLst/>
-      </p:bgPr>
-    </p:bg>
-    <p:spTree>
-      <p:nvGrpSpPr>
-        <p:cNvPr id="238" name="Shape 238"/>
-        <p:cNvGrpSpPr/>
-        <p:nvPr/>
-      </p:nvGrpSpPr>
-      <p:grpSpPr>
-        <a:xfrm>
-          <a:off x="0" y="0"/>
-          <a:ext cx="0" cy="0"/>
-          <a:chOff x="0" y="0"/>
-          <a:chExt cx="0" cy="0"/>
-        </a:xfrm>
-      </p:grpSpPr>
-      <p:pic>
-        <p:nvPicPr>
-          <p:cNvPr id="239" name="Google Shape;239;p9"/>
-          <p:cNvPicPr preferRelativeResize="0"/>
-          <p:nvPr/>
-        </p:nvPicPr>
-        <p:blipFill rotWithShape="1">
-          <a:blip r:embed="rId1"/>
-          <a:srcRect/>
-          <a:stretch>
-            <a:fillRect/>
-          </a:stretch>
-        </p:blipFill>
-        <p:spPr>
-          <a:xfrm>
-            <a:off x="0" y="0"/>
-            <a:ext cx="12192000" cy="6858000"/>
-          </a:xfrm>
-          <a:prstGeom prst="rect">
-            <a:avLst/>
-          </a:prstGeom>
-          <a:noFill/>
-          <a:ln>
-            <a:noFill/>
-          </a:ln>
-        </p:spPr>
-      </p:pic>
-      <p:sp>
-        <p:nvSpPr>
-          <p:cNvPr id="240" name="Google Shape;240;p9"/>
-          <p:cNvSpPr txBox="1"/>
-          <p:nvPr/>
-        </p:nvSpPr>
-        <p:spPr>
-          <a:xfrm>
-            <a:off x="2305197" y="279283"/>
-            <a:ext cx="7581606" cy="584775"/>
-          </a:xfrm>
-          <a:prstGeom prst="rect">
-            <a:avLst/>
-          </a:prstGeom>
-          <a:noFill/>
-          <a:ln>
-            <a:noFill/>
-          </a:ln>
-        </p:spPr>
-        <p:txBody>
-          <a:bodyPr spcFirstLastPara="1" wrap="square" lIns="91425" tIns="45700" rIns="91425" bIns="45700" anchor="t" anchorCtr="0">
-            <a:spAutoFit/>
-          </a:bodyPr>
-          <a:lstStyle/>
-          <a:p>
-            <a:pPr marL="0" marR="0" lvl="0" indent="0" algn="ctr" rtl="0">
-              <a:spcBef>
-                <a:spcPts val="0"/>
-              </a:spcBef>
-              <a:spcAft>
-                <a:spcPts val="0"/>
-              </a:spcAft>
-              <a:buNone/>
-            </a:pPr>
-            <a:r>
-              <a:rPr lang="en-US" sz="3200" b="1">
-                <a:solidFill>
-                  <a:schemeClr val="lt1"/>
-                </a:solidFill>
-                <a:latin typeface="Nunito"/>
-                <a:ea typeface="Nunito"/>
-                <a:cs typeface="Nunito"/>
-                <a:sym typeface="Nunito"/>
-              </a:rPr>
-              <a:t>KẾT LUẬN</a:t>
-            </a:r>
-            <a:endParaRPr lang="en-US" sz="3200" b="1">
-              <a:solidFill>
-                <a:schemeClr val="lt1"/>
-              </a:solidFill>
-              <a:latin typeface="Nunito"/>
-              <a:ea typeface="Nunito"/>
-              <a:cs typeface="Nunito"/>
-              <a:sym typeface="Nunito"/>
-            </a:endParaRPr>
-          </a:p>
-        </p:txBody>
-      </p:sp>
-      <p:sp>
-        <p:nvSpPr>
-          <p:cNvPr id="241" name="Google Shape;241;p9"/>
-          <p:cNvSpPr txBox="1"/>
-          <p:nvPr/>
-        </p:nvSpPr>
-        <p:spPr>
-          <a:xfrm>
-            <a:off x="733806" y="2438838"/>
-            <a:ext cx="4299104" cy="3968115"/>
-          </a:xfrm>
-          <a:prstGeom prst="rect">
-            <a:avLst/>
-          </a:prstGeom>
-          <a:solidFill>
-            <a:schemeClr val="lt1"/>
-          </a:solidFill>
-          <a:ln>
-            <a:noFill/>
-          </a:ln>
-        </p:spPr>
-        <p:txBody>
-          <a:bodyPr spcFirstLastPara="1" wrap="square" lIns="91425" tIns="45700" rIns="91425" bIns="45700" anchor="t" anchorCtr="0">
-            <a:spAutoFit/>
-          </a:bodyPr>
-          <a:lstStyle/>
-          <a:p>
-            <a:pPr marL="285750" marR="0" lvl="0" indent="-285750" algn="l" rtl="0">
-              <a:lnSpc>
-                <a:spcPct val="150000"/>
-              </a:lnSpc>
-              <a:spcBef>
-                <a:spcPts val="0"/>
-              </a:spcBef>
-              <a:spcAft>
-                <a:spcPts val="0"/>
-              </a:spcAft>
-              <a:buClr>
-                <a:schemeClr val="dk1"/>
-              </a:buClr>
-              <a:buSzPts val="2400"/>
-              <a:buFont typeface="Arial" panose="020B0604020202020204"/>
-              <a:buChar char="•"/>
-            </a:pPr>
-            <a:r>
-              <a:rPr lang="en-US" sz="2400">
-                <a:solidFill>
-                  <a:schemeClr val="dk1"/>
-                </a:solidFill>
-                <a:latin typeface="Nunito"/>
-                <a:ea typeface="Nunito"/>
-                <a:cs typeface="Nunito"/>
-                <a:sym typeface="Nunito"/>
-              </a:rPr>
-              <a:t>Hoàn thành được mục tiêu đề tài</a:t>
-            </a:r>
-            <a:endParaRPr lang="en-US" sz="2400">
-              <a:solidFill>
-                <a:schemeClr val="dk1"/>
-              </a:solidFill>
-              <a:latin typeface="Nunito"/>
-              <a:ea typeface="Nunito"/>
-              <a:cs typeface="Nunito"/>
-              <a:sym typeface="Nunito"/>
-            </a:endParaRPr>
-          </a:p>
-          <a:p>
-            <a:pPr marL="285750" marR="0" lvl="0" indent="-285750" algn="l" rtl="0">
-              <a:lnSpc>
-                <a:spcPct val="150000"/>
-              </a:lnSpc>
-              <a:spcBef>
-                <a:spcPts val="0"/>
-              </a:spcBef>
-              <a:spcAft>
-                <a:spcPts val="0"/>
-              </a:spcAft>
-              <a:buClr>
-                <a:schemeClr val="dk1"/>
-              </a:buClr>
-              <a:buSzPts val="2400"/>
-              <a:buFont typeface="Arial" panose="020B0604020202020204"/>
-              <a:buChar char="•"/>
-            </a:pPr>
-            <a:r>
-              <a:rPr lang="en-US" sz="2400">
-                <a:solidFill>
-                  <a:schemeClr val="dk1"/>
-                </a:solidFill>
-                <a:latin typeface="Nunito"/>
-                <a:ea typeface="Nunito"/>
-                <a:cs typeface="Nunito"/>
-                <a:sym typeface="Nunito"/>
-              </a:rPr>
-              <a:t>Hoàn thành được chức năng của Website quản trị rủi ro</a:t>
-            </a:r>
-            <a:endParaRPr sz="2400">
-              <a:solidFill>
-                <a:schemeClr val="dk1"/>
-              </a:solidFill>
-              <a:latin typeface="Nunito"/>
-              <a:ea typeface="Nunito"/>
-              <a:cs typeface="Nunito"/>
-              <a:sym typeface="Nunito"/>
-            </a:endParaRPr>
-          </a:p>
-          <a:p>
-            <a:pPr marL="285750" marR="0" lvl="0" indent="-285750" algn="l" rtl="0">
-              <a:lnSpc>
-                <a:spcPct val="150000"/>
-              </a:lnSpc>
-              <a:spcBef>
-                <a:spcPts val="0"/>
-              </a:spcBef>
-              <a:spcAft>
-                <a:spcPts val="0"/>
-              </a:spcAft>
-              <a:buClr>
-                <a:schemeClr val="dk1"/>
-              </a:buClr>
-              <a:buSzPts val="2400"/>
-              <a:buFont typeface="Arial" panose="020B0604020202020204"/>
-              <a:buChar char="•"/>
-            </a:pPr>
-            <a:r>
-              <a:rPr lang="en-US" sz="2400">
-                <a:solidFill>
-                  <a:schemeClr val="dk1"/>
-                </a:solidFill>
-                <a:latin typeface="Nunito"/>
-                <a:ea typeface="Nunito"/>
-                <a:cs typeface="Nunito"/>
-                <a:sym typeface="Nunito"/>
-              </a:rPr>
-              <a:t>Hiểu rõ hơn về việc xây Website</a:t>
-            </a:r>
-            <a:endParaRPr sz="2400">
-              <a:solidFill>
-                <a:schemeClr val="dk1"/>
-              </a:solidFill>
-              <a:latin typeface="Nunito"/>
-              <a:ea typeface="Nunito"/>
-              <a:cs typeface="Nunito"/>
-              <a:sym typeface="Nunito"/>
-            </a:endParaRPr>
-          </a:p>
-        </p:txBody>
-      </p:sp>
-      <p:sp>
-        <p:nvSpPr>
-          <p:cNvPr id="242" name="Google Shape;242;p9"/>
-          <p:cNvSpPr txBox="1"/>
-          <p:nvPr/>
-        </p:nvSpPr>
-        <p:spPr>
-          <a:xfrm>
-            <a:off x="7504580" y="2521757"/>
-            <a:ext cx="4073237" cy="4521835"/>
-          </a:xfrm>
-          <a:prstGeom prst="rect">
-            <a:avLst/>
-          </a:prstGeom>
-          <a:solidFill>
-            <a:schemeClr val="lt1"/>
-          </a:solidFill>
-          <a:ln>
-            <a:noFill/>
-          </a:ln>
-        </p:spPr>
-        <p:txBody>
-          <a:bodyPr spcFirstLastPara="1" wrap="square" lIns="91425" tIns="45700" rIns="91425" bIns="45700" anchor="t" anchorCtr="0">
-            <a:spAutoFit/>
-          </a:bodyPr>
-          <a:lstStyle/>
-          <a:p>
-            <a:pPr marL="285750" marR="0" lvl="0" indent="-285750" algn="l" rtl="0">
-              <a:lnSpc>
-                <a:spcPct val="150000"/>
-              </a:lnSpc>
-              <a:spcBef>
-                <a:spcPts val="0"/>
-              </a:spcBef>
-              <a:spcAft>
-                <a:spcPts val="0"/>
-              </a:spcAft>
-              <a:buClr>
-                <a:schemeClr val="dk1"/>
-              </a:buClr>
-              <a:buSzPts val="2400"/>
-              <a:buFont typeface="Arial" panose="020B0604020202020204"/>
-              <a:buChar char="•"/>
-            </a:pPr>
-            <a:r>
-              <a:rPr lang="en-US" sz="2400">
-                <a:solidFill>
-                  <a:schemeClr val="dk1"/>
-                </a:solidFill>
-                <a:latin typeface="Nunito"/>
-                <a:ea typeface="Nunito"/>
-                <a:cs typeface="Nunito"/>
-                <a:sym typeface="Nunito"/>
-              </a:rPr>
-              <a:t>Không chỉ quản trị rủi ro cơ sở vật chất UTC2 mà còn hướng đến quản lý rủi ro những lĩnh vực khác.</a:t>
-            </a:r>
-            <a:endParaRPr lang="en-US" sz="2400">
-              <a:solidFill>
-                <a:schemeClr val="dk1"/>
-              </a:solidFill>
-              <a:latin typeface="Nunito"/>
-              <a:ea typeface="Nunito"/>
-              <a:cs typeface="Nunito"/>
-              <a:sym typeface="Nunito"/>
-            </a:endParaRPr>
-          </a:p>
-          <a:p>
-            <a:pPr marL="285750" marR="0" lvl="0" indent="-285750" algn="l" rtl="0">
-              <a:lnSpc>
-                <a:spcPct val="150000"/>
-              </a:lnSpc>
-              <a:spcBef>
-                <a:spcPts val="0"/>
-              </a:spcBef>
-              <a:spcAft>
-                <a:spcPts val="0"/>
-              </a:spcAft>
-              <a:buClr>
-                <a:schemeClr val="dk1"/>
-              </a:buClr>
-              <a:buSzPts val="2400"/>
-              <a:buFont typeface="Arial" panose="020B0604020202020204"/>
-              <a:buChar char="•"/>
-            </a:pPr>
-            <a:r>
-              <a:rPr lang="en-US" sz="2400">
-                <a:solidFill>
-                  <a:schemeClr val="dk1"/>
-                </a:solidFill>
-                <a:latin typeface="Nunito"/>
-                <a:ea typeface="Nunito"/>
-                <a:cs typeface="Nunito"/>
-                <a:sym typeface="Nunito"/>
-              </a:rPr>
-              <a:t>Tích hợp đánh giá phản hồi và phản hồi</a:t>
-            </a:r>
-            <a:endParaRPr sz="2400">
-              <a:solidFill>
-                <a:schemeClr val="dk1"/>
-              </a:solidFill>
-              <a:latin typeface="Nunito"/>
-              <a:ea typeface="Nunito"/>
-              <a:cs typeface="Nunito"/>
-              <a:sym typeface="Nunito"/>
-            </a:endParaRPr>
-          </a:p>
-          <a:p>
-            <a:pPr marL="285750" marR="0" lvl="0" indent="-133350" algn="l" rtl="0">
-              <a:lnSpc>
-                <a:spcPct val="150000"/>
-              </a:lnSpc>
-              <a:spcBef>
-                <a:spcPts val="0"/>
-              </a:spcBef>
-              <a:spcAft>
-                <a:spcPts val="0"/>
-              </a:spcAft>
-              <a:buClr>
-                <a:schemeClr val="dk1"/>
-              </a:buClr>
-              <a:buSzPts val="2400"/>
-              <a:buFont typeface="Arial" panose="020B0604020202020204"/>
-              <a:buNone/>
-            </a:pPr>
-            <a:endParaRPr sz="2400">
-              <a:solidFill>
-                <a:schemeClr val="dk1"/>
-              </a:solidFill>
-              <a:latin typeface="Nunito"/>
-              <a:ea typeface="Nunito"/>
-              <a:cs typeface="Nunito"/>
-              <a:sym typeface="Nunito"/>
-            </a:endParaRPr>
-          </a:p>
-        </p:txBody>
-      </p:sp>
-      <p:sp>
-        <p:nvSpPr>
-          <p:cNvPr id="245" name="Google Shape;245;p9"/>
-          <p:cNvSpPr txBox="1"/>
-          <p:nvPr/>
-        </p:nvSpPr>
-        <p:spPr>
-          <a:xfrm flipH="1">
-            <a:off x="5231765" y="2830195"/>
-            <a:ext cx="1454150" cy="1197610"/>
-          </a:xfrm>
-          <a:prstGeom prst="rect">
-            <a:avLst/>
-          </a:prstGeom>
-          <a:noFill/>
-          <a:ln>
-            <a:noFill/>
-          </a:ln>
-        </p:spPr>
-        <p:txBody>
-          <a:bodyPr spcFirstLastPara="1" wrap="square" lIns="91425" tIns="45700" rIns="91425" bIns="45700" anchor="t" anchorCtr="0">
-            <a:spAutoFit/>
-          </a:bodyPr>
-          <a:lstStyle/>
-          <a:p>
-            <a:pPr marL="0" marR="0" lvl="0" indent="0" algn="ctr" rtl="0">
-              <a:spcBef>
-                <a:spcPts val="0"/>
-              </a:spcBef>
-              <a:spcAft>
-                <a:spcPts val="0"/>
-              </a:spcAft>
-              <a:buNone/>
-            </a:pPr>
-            <a:r>
-              <a:rPr lang="en-US" sz="1800" b="1">
-                <a:solidFill>
-                  <a:schemeClr val="dk1"/>
-                </a:solidFill>
-                <a:latin typeface="Nunito"/>
-                <a:ea typeface="Nunito"/>
-                <a:cs typeface="Nunito"/>
-                <a:sym typeface="Nunito"/>
-              </a:rPr>
-              <a:t>Ứng dụng quản trị rủi ro UTC2</a:t>
-            </a:r>
-            <a:endParaRPr lang="en-US" sz="1800" b="1">
-              <a:solidFill>
-                <a:schemeClr val="dk1"/>
-              </a:solidFill>
-              <a:latin typeface="Nunito"/>
-              <a:ea typeface="Nunito"/>
-              <a:cs typeface="Nunito"/>
-              <a:sym typeface="Nunito"/>
-            </a:endParaRPr>
-          </a:p>
-        </p:txBody>
-      </p:sp>
-      <p:grpSp>
-        <p:nvGrpSpPr>
-          <p:cNvPr id="246" name="Google Shape;246;p9"/>
-          <p:cNvGrpSpPr/>
-          <p:nvPr/>
-        </p:nvGrpSpPr>
-        <p:grpSpPr>
-          <a:xfrm>
-            <a:off x="7591399" y="1678734"/>
-            <a:ext cx="3460790" cy="584776"/>
-            <a:chOff x="7591399" y="1556814"/>
-            <a:chExt cx="3460790" cy="584776"/>
-          </a:xfrm>
-        </p:grpSpPr>
-        <p:sp>
-          <p:nvSpPr>
-            <p:cNvPr id="247" name="Google Shape;247;p9"/>
-            <p:cNvSpPr txBox="1"/>
-            <p:nvPr/>
-          </p:nvSpPr>
-          <p:spPr>
-            <a:xfrm>
-              <a:off x="8289894" y="1741480"/>
-              <a:ext cx="2762295" cy="400110"/>
-            </a:xfrm>
-            <a:prstGeom prst="rect">
-              <a:avLst/>
-            </a:prstGeom>
-            <a:noFill/>
-            <a:ln>
-              <a:noFill/>
-            </a:ln>
-          </p:spPr>
-          <p:txBody>
-            <a:bodyPr spcFirstLastPara="1" wrap="square" lIns="91425" tIns="45700" rIns="91425" bIns="45700" anchor="t" anchorCtr="0">
-              <a:spAutoFit/>
-            </a:bodyPr>
-            <a:lstStyle/>
-            <a:p>
-              <a:pPr marL="0" marR="0" lvl="0" indent="0" algn="l" rtl="0">
-                <a:spcBef>
-                  <a:spcPts val="0"/>
-                </a:spcBef>
-                <a:spcAft>
-                  <a:spcPts val="0"/>
-                </a:spcAft>
-                <a:buNone/>
-              </a:pPr>
-              <a:r>
-                <a:rPr lang="en-US" sz="2000" b="1">
-                  <a:solidFill>
-                    <a:schemeClr val="dk1"/>
-                  </a:solidFill>
-                  <a:latin typeface="Nunito"/>
-                  <a:ea typeface="Nunito"/>
-                  <a:cs typeface="Nunito"/>
-                  <a:sym typeface="Nunito"/>
-                </a:rPr>
-                <a:t>HƯỚNG PHÁT TRIỂN</a:t>
-              </a:r>
-              <a:endParaRPr lang="en-US" sz="2000" b="1">
-                <a:solidFill>
-                  <a:schemeClr val="dk1"/>
-                </a:solidFill>
-                <a:latin typeface="Nunito"/>
-                <a:ea typeface="Nunito"/>
-                <a:cs typeface="Nunito"/>
-                <a:sym typeface="Nunito"/>
-              </a:endParaRPr>
-            </a:p>
-          </p:txBody>
-        </p:sp>
-        <p:pic>
-          <p:nvPicPr>
-            <p:cNvPr id="248" name="Google Shape;248;p9"/>
-            <p:cNvPicPr preferRelativeResize="0"/>
-            <p:nvPr/>
-          </p:nvPicPr>
-          <p:blipFill rotWithShape="1">
-            <a:blip r:embed="rId2"/>
-            <a:srcRect/>
-            <a:stretch>
-              <a:fillRect/>
-            </a:stretch>
-          </p:blipFill>
-          <p:spPr>
-            <a:xfrm>
-              <a:off x="7591399" y="1556814"/>
-              <a:ext cx="526207" cy="526207"/>
-            </a:xfrm>
-            <a:prstGeom prst="rect">
-              <a:avLst/>
-            </a:prstGeom>
-            <a:noFill/>
-            <a:ln>
-              <a:noFill/>
-            </a:ln>
-          </p:spPr>
-        </p:pic>
-      </p:grpSp>
-      <p:grpSp>
-        <p:nvGrpSpPr>
-          <p:cNvPr id="249" name="Google Shape;249;p9"/>
-          <p:cNvGrpSpPr/>
-          <p:nvPr/>
-        </p:nvGrpSpPr>
-        <p:grpSpPr>
-          <a:xfrm>
-            <a:off x="1046563" y="1625755"/>
-            <a:ext cx="3285914" cy="594273"/>
-            <a:chOff x="1046563" y="1625755"/>
-            <a:chExt cx="3285914" cy="594273"/>
-          </a:xfrm>
-        </p:grpSpPr>
-        <p:sp>
-          <p:nvSpPr>
-            <p:cNvPr id="250" name="Google Shape;250;p9"/>
-            <p:cNvSpPr txBox="1"/>
-            <p:nvPr/>
-          </p:nvSpPr>
-          <p:spPr>
-            <a:xfrm>
-              <a:off x="1570182" y="1819918"/>
-              <a:ext cx="2762295" cy="400110"/>
-            </a:xfrm>
-            <a:prstGeom prst="rect">
-              <a:avLst/>
-            </a:prstGeom>
-            <a:noFill/>
-            <a:ln>
-              <a:noFill/>
-            </a:ln>
-          </p:spPr>
-          <p:txBody>
-            <a:bodyPr spcFirstLastPara="1" wrap="square" lIns="91425" tIns="45700" rIns="91425" bIns="45700" anchor="t" anchorCtr="0">
-              <a:spAutoFit/>
-            </a:bodyPr>
-            <a:lstStyle/>
-            <a:p>
-              <a:pPr marL="0" marR="0" lvl="0" indent="0" algn="l" rtl="0">
-                <a:spcBef>
-                  <a:spcPts val="0"/>
-                </a:spcBef>
-                <a:spcAft>
-                  <a:spcPts val="0"/>
-                </a:spcAft>
-                <a:buNone/>
-              </a:pPr>
-              <a:r>
-                <a:rPr lang="en-US" sz="2000" b="1">
-                  <a:solidFill>
-                    <a:schemeClr val="dk1"/>
-                  </a:solidFill>
-                  <a:latin typeface="Nunito"/>
-                  <a:ea typeface="Nunito"/>
-                  <a:cs typeface="Nunito"/>
-                  <a:sym typeface="Nunito"/>
-                </a:rPr>
-                <a:t>KẾT QUẢ ĐẠT ĐƯỢC</a:t>
-              </a:r>
-              <a:endParaRPr lang="en-US" sz="2000" b="1">
-                <a:solidFill>
-                  <a:schemeClr val="dk1"/>
-                </a:solidFill>
-                <a:latin typeface="Nunito"/>
-                <a:ea typeface="Nunito"/>
-                <a:cs typeface="Nunito"/>
-                <a:sym typeface="Nunito"/>
-              </a:endParaRPr>
-            </a:p>
-          </p:txBody>
-        </p:sp>
-        <p:pic>
-          <p:nvPicPr>
-            <p:cNvPr id="251" name="Google Shape;251;p9"/>
-            <p:cNvPicPr preferRelativeResize="0"/>
-            <p:nvPr/>
-          </p:nvPicPr>
-          <p:blipFill rotWithShape="1">
-            <a:blip r:embed="rId3"/>
-            <a:srcRect/>
-            <a:stretch>
-              <a:fillRect/>
-            </a:stretch>
-          </p:blipFill>
-          <p:spPr>
-            <a:xfrm>
-              <a:off x="1046563" y="1625755"/>
-              <a:ext cx="485057" cy="485057"/>
-            </a:xfrm>
-            <a:prstGeom prst="rect">
-              <a:avLst/>
-            </a:prstGeom>
-            <a:noFill/>
-            <a:ln>
-              <a:noFill/>
-            </a:ln>
-          </p:spPr>
-        </p:pic>
-      </p:grpSp>
-    </p:spTree>
-  </p:cSld>
-  <p:clrMapOvr>
-    <a:masterClrMapping/>
-  </p:clrMapOvr>
-  <p:transition spd="slow">
-    <p:push/>
-  </p:transition>
-  <p:timing>
-    <p:tnLst>
-      <p:par>
-        <p:cTn id="1" dur="indefinite" restart="never" nodeType="tmRoot">
-          <p:childTnLst>
-            <p:seq concurrent="1" nextAc="seek">
-              <p:cTn id="2" dur="indefinite" nodeType="mainSeq">
-                <p:childTnLst>
-                  <p:par>
-                    <p:cTn id="3" fill="hold">
-                      <p:stCondLst>
-                        <p:cond delay="indefinite"/>
-                        <p:cond evt="onBegin" delay="0">
-                          <p:tn val="2"/>
-                        </p:cond>
-                      </p:stCondLst>
-                      <p:childTnLst>
-                        <p:par>
-                          <p:cTn id="4" fill="hold">
-                            <p:stCondLst>
-                              <p:cond delay="0"/>
-                            </p:stCondLst>
-                            <p:childTnLst>
-                              <p:par>
-                                <p:cTn id="5" presetID="10" presetClass="entr" presetSubtype="0" fill="hold" nodeType="withEffect">
-                                  <p:stCondLst>
-                                    <p:cond delay="250"/>
-                                  </p:stCondLst>
-                                  <p:childTnLst>
-                                    <p:set>
-                                      <p:cBhvr>
-                                        <p:cTn id="6" dur="1" fill="hold">
-                                          <p:stCondLst>
-                                            <p:cond delay="0"/>
-                                          </p:stCondLst>
-                                        </p:cTn>
-                                        <p:tgtEl>
-                                          <p:spTgt spid="249"/>
-                                        </p:tgtEl>
-                                        <p:attrNameLst>
-                                          <p:attrName>style.visibility</p:attrName>
-                                        </p:attrNameLst>
-                                      </p:cBhvr>
-                                      <p:to>
-                                        <p:strVal val="visible"/>
-                                      </p:to>
-                                    </p:set>
-                                    <p:animEffect transition="in" filter="fade">
-                                      <p:cBhvr>
-                                        <p:cTn id="7" dur="500"/>
-                                        <p:tgtEl>
-                                          <p:spTgt spid="249"/>
-                                        </p:tgtEl>
-                                      </p:cBhvr>
-                                    </p:animEffect>
-                                  </p:childTnLst>
-                                </p:cTn>
-                              </p:par>
-                              <p:par>
-                                <p:cTn id="8" presetID="10" presetClass="entr" presetSubtype="0" fill="hold" nodeType="withEffect">
-                                  <p:stCondLst>
-                                    <p:cond delay="250"/>
-                                  </p:stCondLst>
-                                  <p:childTnLst>
-                                    <p:set>
-                                      <p:cBhvr>
-                                        <p:cTn id="9" dur="1" fill="hold">
-                                          <p:stCondLst>
-                                            <p:cond delay="0"/>
-                                          </p:stCondLst>
-                                        </p:cTn>
-                                        <p:tgtEl>
-                                          <p:spTgt spid="246"/>
-                                        </p:tgtEl>
-                                        <p:attrNameLst>
-                                          <p:attrName>style.visibility</p:attrName>
-                                        </p:attrNameLst>
-                                      </p:cBhvr>
-                                      <p:to>
-                                        <p:strVal val="visible"/>
-                                      </p:to>
-                                    </p:set>
-                                    <p:animEffect transition="in" filter="fade">
-                                      <p:cBhvr>
-                                        <p:cTn id="10" dur="500"/>
-                                        <p:tgtEl>
-                                          <p:spTgt spid="246"/>
-                                        </p:tgtEl>
-                                      </p:cBhvr>
-                                    </p:animEffect>
-                                  </p:childTnLst>
-                                </p:cTn>
-                              </p:par>
-                              <p:par>
-                                <p:cTn id="11" presetID="10" presetClass="entr" presetSubtype="0" fill="hold" nodeType="withEffect">
-                                  <p:stCondLst>
-                                    <p:cond delay="500"/>
-                                  </p:stCondLst>
-                                  <p:childTnLst>
-                                    <p:set>
-                                      <p:cBhvr>
-                                        <p:cTn id="12" dur="1" fill="hold">
-                                          <p:stCondLst>
-                                            <p:cond delay="0"/>
-                                          </p:stCondLst>
-                                        </p:cTn>
-                                        <p:tgtEl>
-                                          <p:spTgt spid="241"/>
-                                        </p:tgtEl>
-                                        <p:attrNameLst>
-                                          <p:attrName>style.visibility</p:attrName>
-                                        </p:attrNameLst>
-                                      </p:cBhvr>
-                                      <p:to>
-                                        <p:strVal val="visible"/>
-                                      </p:to>
-                                    </p:set>
-                                    <p:animEffect transition="in" filter="fade">
-                                      <p:cBhvr>
-                                        <p:cTn id="13" dur="500"/>
-                                        <p:tgtEl>
-                                          <p:spTgt spid="241"/>
-                                        </p:tgtEl>
-                                      </p:cBhvr>
-                                    </p:animEffect>
-                                  </p:childTnLst>
-                                </p:cTn>
-                              </p:par>
-                              <p:par>
-                                <p:cTn id="14" presetID="10" presetClass="entr" presetSubtype="0" fill="hold" nodeType="withEffect">
-                                  <p:stCondLst>
-                                    <p:cond delay="500"/>
-                                  </p:stCondLst>
-                                  <p:childTnLst>
-                                    <p:set>
-                                      <p:cBhvr>
-                                        <p:cTn id="15" dur="1" fill="hold">
-                                          <p:stCondLst>
-                                            <p:cond delay="0"/>
-                                          </p:stCondLst>
-                                        </p:cTn>
-                                        <p:tgtEl>
-                                          <p:spTgt spid="242"/>
-                                        </p:tgtEl>
-                                        <p:attrNameLst>
-                                          <p:attrName>style.visibility</p:attrName>
-                                        </p:attrNameLst>
-                                      </p:cBhvr>
-                                      <p:to>
-                                        <p:strVal val="visible"/>
-                                      </p:to>
-                                    </p:set>
-                                    <p:animEffect transition="in" filter="fade">
-                                      <p:cBhvr>
-                                        <p:cTn id="16" dur="500"/>
-                                        <p:tgtEl>
-                                          <p:spTgt spid="242"/>
-                                        </p:tgtEl>
-                                      </p:cBhvr>
-                                    </p:animEffect>
-                                  </p:childTnLst>
-                                </p:cTn>
-                              </p:par>
-                            </p:childTnLst>
-                          </p:cTn>
-                        </p:par>
-                      </p:childTnLst>
-                    </p:cTn>
-                  </p:par>
-                </p:childTnLst>
-              </p:cTn>
-              <p:prevCondLst>
-                <p:cond evt="onPrev">
-                  <p:tgtEl>
-                    <p:sldTgt/>
-                  </p:tgtEl>
-                </p:cond>
-              </p:prevCondLst>
-              <p:nextCondLst>
-                <p:cond evt="onNext">
-                  <p:tgtEl>
-                    <p:sldTgt/>
-                  </p:tgtEl>
-                </p:cond>
-              </p:nextCondLst>
-            </p:seq>
-          </p:childTnLst>
-        </p:cTn>
-      </p:par>
-    </p:tnLst>
-  </p:timing>
-</p:sld>
-</file>
-
 <file path=ppt/tags/tag1.xml><?xml version="1.0" encoding="utf-8"?>
 <p:tagLst xmlns:p="http://schemas.openxmlformats.org/presentationml/2006/main">
   <p:tag name="KSO_WM_BEAUTIFY_FLAG" val=""/>
@@ -19544,6 +20138,12 @@
 </file>
 
 <file path=ppt/tags/tag8.xml><?xml version="1.0" encoding="utf-8"?>
+<p:tagLst xmlns:p="http://schemas.openxmlformats.org/presentationml/2006/main">
+  <p:tag name="KSO_WM_BEAUTIFY_FLAG" val=""/>
+</p:tagLst>
+</file>
+
+<file path=ppt/tags/tag9.xml><?xml version="1.0" encoding="utf-8"?>
 <p:tagLst xmlns:p="http://schemas.openxmlformats.org/presentationml/2006/main">
   <p:tag name="KSO_WM_BEAUTIFY_FLAG" val=""/>
 </p:tagLst>
